--- a/Slides/Unit 5 - Graphs.pptx
+++ b/Slides/Unit 5 - Graphs.pptx
@@ -5,7 +5,7 @@
     <p:sldMasterId id="2147483729" r:id="rId1"/>
   </p:sldMasterIdLst>
   <p:notesMasterIdLst>
-    <p:notesMasterId r:id="rId56"/>
+    <p:notesMasterId r:id="rId57"/>
   </p:notesMasterIdLst>
   <p:sldIdLst>
     <p:sldId id="256" r:id="rId2"/>
@@ -57,11 +57,12 @@
     <p:sldId id="318" r:id="rId48"/>
     <p:sldId id="290" r:id="rId49"/>
     <p:sldId id="291" r:id="rId50"/>
-    <p:sldId id="287" r:id="rId51"/>
-    <p:sldId id="266" r:id="rId52"/>
-    <p:sldId id="273" r:id="rId53"/>
-    <p:sldId id="272" r:id="rId54"/>
-    <p:sldId id="314" r:id="rId55"/>
+    <p:sldId id="319" r:id="rId51"/>
+    <p:sldId id="287" r:id="rId52"/>
+    <p:sldId id="266" r:id="rId53"/>
+    <p:sldId id="273" r:id="rId54"/>
+    <p:sldId id="272" r:id="rId55"/>
+    <p:sldId id="314" r:id="rId56"/>
   </p:sldIdLst>
   <p:sldSz cx="12192000" cy="6858000"/>
   <p:notesSz cx="6858000" cy="9144000"/>
@@ -168,6 +169,10 @@
 </p:presentation>
 </file>
 
+<file path=ppt/revisionInfo.xml><?xml version="1.0" encoding="utf-8"?>
+<p1510:revInfo xmlns:a="http://schemas.openxmlformats.org/drawingml/2006/main" xmlns:r="http://schemas.openxmlformats.org/officeDocument/2006/relationships" xmlns:p1510="http://schemas.microsoft.com/office/powerpoint/2015/10/main"/>
+</file>
+
 <file path=ppt/notesMasters/notesMaster1.xml><?xml version="1.0" encoding="utf-8"?>
 <p:notesMaster xmlns:a="http://schemas.openxmlformats.org/drawingml/2006/main" xmlns:r="http://schemas.openxmlformats.org/officeDocument/2006/relationships" xmlns:p="http://schemas.openxmlformats.org/presentationml/2006/main">
   <p:cSld>
@@ -250,7 +255,7 @@
           <a:p>
             <a:fld id="{F314420D-16BA-4EDC-9A71-800590EAD5A3}" type="datetimeFigureOut">
               <a:rPr lang="en-GB" smtClean="0"/>
-              <a:t>15/12/2016</a:t>
+              <a:t>05/10/2017</a:t>
             </a:fld>
             <a:endParaRPr lang="en-GB"/>
           </a:p>
@@ -409,7 +414,7 @@
           <a:p>
             <a:fld id="{29573B9A-66FB-4A63-BCD5-E140B9429FD2}" type="slidenum">
               <a:rPr lang="en-GB" smtClean="0"/>
-              <a:t>‹#›</a:t>
+              <a:t>‹nr.›</a:t>
             </a:fld>
             <a:endParaRPr lang="en-GB"/>
           </a:p>
@@ -922,7 +927,7 @@
           <a:p>
             <a:fld id="{29573B9A-66FB-4A63-BCD5-E140B9429FD2}" type="slidenum">
               <a:rPr lang="en-GB" smtClean="0"/>
-              <a:t>53</a:t>
+              <a:t>54</a:t>
             </a:fld>
             <a:endParaRPr lang="en-GB"/>
           </a:p>
@@ -2717,7 +2722,7 @@
           <a:p>
             <a:fld id="{6D0056B2-4F08-4129-BC21-E4EE9138FBBD}" type="datetime1">
               <a:rPr lang="en-GB" smtClean="0"/>
-              <a:t>15/12/2016</a:t>
+              <a:t>05/10/2017</a:t>
             </a:fld>
             <a:endParaRPr lang="en-GB"/>
           </a:p>
@@ -2763,7 +2768,7 @@
           <a:p>
             <a:fld id="{A3AAA307-BC5C-435E-9F75-3D6007B651A5}" type="slidenum">
               <a:rPr lang="en-GB" smtClean="0"/>
-              <a:t>‹#›</a:t>
+              <a:t>‹nr.›</a:t>
             </a:fld>
             <a:endParaRPr lang="en-GB"/>
           </a:p>
@@ -2972,7 +2977,7 @@
           <a:p>
             <a:fld id="{612D572C-2764-414E-9C89-DDD42C6B07C1}" type="datetime1">
               <a:rPr lang="en-GB" smtClean="0"/>
-              <a:t>15/12/2016</a:t>
+              <a:t>05/10/2017</a:t>
             </a:fld>
             <a:endParaRPr lang="en-GB"/>
           </a:p>
@@ -3018,7 +3023,7 @@
           <a:p>
             <a:fld id="{A3AAA307-BC5C-435E-9F75-3D6007B651A5}" type="slidenum">
               <a:rPr lang="en-GB" smtClean="0"/>
-              <a:t>‹#›</a:t>
+              <a:t>‹nr.›</a:t>
             </a:fld>
             <a:endParaRPr lang="en-GB"/>
           </a:p>
@@ -3290,7 +3295,7 @@
           <a:p>
             <a:fld id="{2F9DEDFE-25E5-4177-B37C-03C25AABCBD5}" type="datetime1">
               <a:rPr lang="en-GB" smtClean="0"/>
-              <a:t>15/12/2016</a:t>
+              <a:t>05/10/2017</a:t>
             </a:fld>
             <a:endParaRPr lang="en-GB"/>
           </a:p>
@@ -3336,7 +3341,7 @@
           <a:p>
             <a:fld id="{A3AAA307-BC5C-435E-9F75-3D6007B651A5}" type="slidenum">
               <a:rPr lang="en-GB" smtClean="0"/>
-              <a:t>‹#›</a:t>
+              <a:t>‹nr.›</a:t>
             </a:fld>
             <a:endParaRPr lang="en-GB"/>
           </a:p>
@@ -3621,7 +3626,7 @@
           <a:p>
             <a:fld id="{09077836-4222-4E87-A3F7-BF9743D61C38}" type="datetime1">
               <a:rPr lang="en-GB" smtClean="0"/>
-              <a:t>15/12/2016</a:t>
+              <a:t>05/10/2017</a:t>
             </a:fld>
             <a:endParaRPr lang="en-GB"/>
           </a:p>
@@ -3667,7 +3672,7 @@
           <a:p>
             <a:fld id="{A3AAA307-BC5C-435E-9F75-3D6007B651A5}" type="slidenum">
               <a:rPr lang="en-GB" smtClean="0"/>
-              <a:t>‹#›</a:t>
+              <a:t>‹nr.›</a:t>
             </a:fld>
             <a:endParaRPr lang="en-GB"/>
           </a:p>
@@ -3939,7 +3944,7 @@
           <a:p>
             <a:fld id="{5982107C-A272-44F7-BB13-558FCEBC42B2}" type="datetime1">
               <a:rPr lang="en-GB" smtClean="0"/>
-              <a:t>15/12/2016</a:t>
+              <a:t>05/10/2017</a:t>
             </a:fld>
             <a:endParaRPr lang="en-GB"/>
           </a:p>
@@ -3985,7 +3990,7 @@
           <a:p>
             <a:fld id="{A3AAA307-BC5C-435E-9F75-3D6007B651A5}" type="slidenum">
               <a:rPr lang="en-GB" smtClean="0"/>
-              <a:t>‹#›</a:t>
+              <a:t>‹nr.›</a:t>
             </a:fld>
             <a:endParaRPr lang="en-GB"/>
           </a:p>
@@ -4330,7 +4335,7 @@
           <a:p>
             <a:fld id="{F9658BBA-9690-4900-AE7A-80E9850FB3EA}" type="datetime1">
               <a:rPr lang="en-GB" smtClean="0"/>
-              <a:t>15/12/2016</a:t>
+              <a:t>05/10/2017</a:t>
             </a:fld>
             <a:endParaRPr lang="en-GB"/>
           </a:p>
@@ -4376,7 +4381,7 @@
           <a:p>
             <a:fld id="{A3AAA307-BC5C-435E-9F75-3D6007B651A5}" type="slidenum">
               <a:rPr lang="en-GB" smtClean="0"/>
-              <a:t>‹#›</a:t>
+              <a:t>‹nr.›</a:t>
             </a:fld>
             <a:endParaRPr lang="en-GB"/>
           </a:p>
@@ -4504,7 +4509,7 @@
           <a:p>
             <a:fld id="{BEB6CA79-FB04-4AE1-90FD-D2D3D2AAEEC1}" type="datetime1">
               <a:rPr lang="en-GB" smtClean="0"/>
-              <a:t>15/12/2016</a:t>
+              <a:t>05/10/2017</a:t>
             </a:fld>
             <a:endParaRPr lang="en-GB"/>
           </a:p>
@@ -4550,7 +4555,7 @@
           <a:p>
             <a:fld id="{A3AAA307-BC5C-435E-9F75-3D6007B651A5}" type="slidenum">
               <a:rPr lang="en-GB" smtClean="0"/>
-              <a:t>‹#›</a:t>
+              <a:t>‹nr.›</a:t>
             </a:fld>
             <a:endParaRPr lang="en-GB"/>
           </a:p>
@@ -4688,7 +4693,7 @@
           <a:p>
             <a:fld id="{6C950542-9F3C-4D20-A3AE-6E02D3EC84EE}" type="datetime1">
               <a:rPr lang="en-GB" smtClean="0"/>
-              <a:t>15/12/2016</a:t>
+              <a:t>05/10/2017</a:t>
             </a:fld>
             <a:endParaRPr lang="en-GB"/>
           </a:p>
@@ -4734,7 +4739,7 @@
           <a:p>
             <a:fld id="{A3AAA307-BC5C-435E-9F75-3D6007B651A5}" type="slidenum">
               <a:rPr lang="en-GB" smtClean="0"/>
-              <a:t>‹#›</a:t>
+              <a:t>‹nr.›</a:t>
             </a:fld>
             <a:endParaRPr lang="en-GB"/>
           </a:p>
@@ -4862,7 +4867,7 @@
           <a:p>
             <a:fld id="{F58B147D-FA68-4708-8C51-0F326ACB9AAA}" type="datetime1">
               <a:rPr lang="en-GB" smtClean="0"/>
-              <a:t>15/12/2016</a:t>
+              <a:t>05/10/2017</a:t>
             </a:fld>
             <a:endParaRPr lang="en-GB"/>
           </a:p>
@@ -4908,7 +4913,7 @@
           <a:p>
             <a:fld id="{A3AAA307-BC5C-435E-9F75-3D6007B651A5}" type="slidenum">
               <a:rPr lang="en-GB" smtClean="0"/>
-              <a:t>‹#›</a:t>
+              <a:t>‹nr.›</a:t>
             </a:fld>
             <a:endParaRPr lang="en-GB"/>
           </a:p>
@@ -5113,7 +5118,7 @@
           <a:p>
             <a:fld id="{0075BD33-8D5F-4D67-8F67-B28D0B7F2F08}" type="datetime1">
               <a:rPr lang="en-GB" smtClean="0"/>
-              <a:t>15/12/2016</a:t>
+              <a:t>05/10/2017</a:t>
             </a:fld>
             <a:endParaRPr lang="en-GB"/>
           </a:p>
@@ -5159,7 +5164,7 @@
           <a:p>
             <a:fld id="{A3AAA307-BC5C-435E-9F75-3D6007B651A5}" type="slidenum">
               <a:rPr lang="en-GB" smtClean="0"/>
-              <a:t>‹#›</a:t>
+              <a:t>‹nr.›</a:t>
             </a:fld>
             <a:endParaRPr lang="en-GB"/>
           </a:p>
@@ -5349,7 +5354,7 @@
           <a:p>
             <a:fld id="{633BF77B-1C97-4E77-BD1D-75274F40FC5B}" type="datetime1">
               <a:rPr lang="en-GB" smtClean="0"/>
-              <a:t>15/12/2016</a:t>
+              <a:t>05/10/2017</a:t>
             </a:fld>
             <a:endParaRPr lang="en-GB"/>
           </a:p>
@@ -5395,7 +5400,7 @@
           <a:p>
             <a:fld id="{A3AAA307-BC5C-435E-9F75-3D6007B651A5}" type="slidenum">
               <a:rPr lang="en-GB" smtClean="0"/>
-              <a:t>‹#›</a:t>
+              <a:t>‹nr.›</a:t>
             </a:fld>
             <a:endParaRPr lang="en-GB"/>
           </a:p>
@@ -5727,7 +5732,7 @@
           <a:p>
             <a:fld id="{5153D374-1A43-4F28-8430-6675858FE949}" type="datetime1">
               <a:rPr lang="en-GB" smtClean="0"/>
-              <a:t>15/12/2016</a:t>
+              <a:t>05/10/2017</a:t>
             </a:fld>
             <a:endParaRPr lang="en-GB"/>
           </a:p>
@@ -5773,7 +5778,7 @@
           <a:p>
             <a:fld id="{A3AAA307-BC5C-435E-9F75-3D6007B651A5}" type="slidenum">
               <a:rPr lang="en-GB" smtClean="0"/>
-              <a:t>‹#›</a:t>
+              <a:t>‹nr.›</a:t>
             </a:fld>
             <a:endParaRPr lang="en-GB"/>
           </a:p>
@@ -5854,7 +5859,7 @@
           <a:p>
             <a:fld id="{BA88CCDF-626B-4668-97DC-5A1BBEAB0A11}" type="datetime1">
               <a:rPr lang="en-GB" smtClean="0"/>
-              <a:t>15/12/2016</a:t>
+              <a:t>05/10/2017</a:t>
             </a:fld>
             <a:endParaRPr lang="en-GB"/>
           </a:p>
@@ -5900,7 +5905,7 @@
           <a:p>
             <a:fld id="{A3AAA307-BC5C-435E-9F75-3D6007B651A5}" type="slidenum">
               <a:rPr lang="en-GB" smtClean="0"/>
-              <a:t>‹#›</a:t>
+              <a:t>‹nr.›</a:t>
             </a:fld>
             <a:endParaRPr lang="en-GB"/>
           </a:p>
@@ -5953,7 +5958,7 @@
           <a:p>
             <a:fld id="{9760674D-D2B9-4AE0-923F-2202F9433AF2}" type="datetime1">
               <a:rPr lang="en-GB" smtClean="0"/>
-              <a:t>15/12/2016</a:t>
+              <a:t>05/10/2017</a:t>
             </a:fld>
             <a:endParaRPr lang="en-GB"/>
           </a:p>
@@ -5999,7 +6004,7 @@
           <a:p>
             <a:fld id="{A3AAA307-BC5C-435E-9F75-3D6007B651A5}" type="slidenum">
               <a:rPr lang="en-GB" smtClean="0"/>
-              <a:t>‹#›</a:t>
+              <a:t>‹nr.›</a:t>
             </a:fld>
             <a:endParaRPr lang="en-GB"/>
           </a:p>
@@ -6212,7 +6217,7 @@
           <a:p>
             <a:fld id="{319B5FBB-5ECE-4C54-9CCE-31F728E781A0}" type="datetime1">
               <a:rPr lang="en-GB" smtClean="0"/>
-              <a:t>15/12/2016</a:t>
+              <a:t>05/10/2017</a:t>
             </a:fld>
             <a:endParaRPr lang="en-GB"/>
           </a:p>
@@ -6258,7 +6263,7 @@
           <a:p>
             <a:fld id="{A3AAA307-BC5C-435E-9F75-3D6007B651A5}" type="slidenum">
               <a:rPr lang="en-GB" smtClean="0"/>
-              <a:t>‹#›</a:t>
+              <a:t>‹nr.›</a:t>
             </a:fld>
             <a:endParaRPr lang="en-GB"/>
           </a:p>
@@ -6479,7 +6484,7 @@
           <a:p>
             <a:fld id="{73C6F11D-3D21-4E28-9384-DA37B819A935}" type="datetime1">
               <a:rPr lang="en-GB" smtClean="0"/>
-              <a:t>15/12/2016</a:t>
+              <a:t>05/10/2017</a:t>
             </a:fld>
             <a:endParaRPr lang="en-GB"/>
           </a:p>
@@ -6525,7 +6530,7 @@
           <a:p>
             <a:fld id="{A3AAA307-BC5C-435E-9F75-3D6007B651A5}" type="slidenum">
               <a:rPr lang="en-GB" smtClean="0"/>
-              <a:t>‹#›</a:t>
+              <a:t>‹nr.›</a:t>
             </a:fld>
             <a:endParaRPr lang="en-GB"/>
           </a:p>
@@ -7228,7 +7233,7 @@
           <a:p>
             <a:fld id="{89F71666-4645-43A7-8D49-9FF37F68D6E1}" type="datetime1">
               <a:rPr lang="en-GB" smtClean="0"/>
-              <a:t>15/12/2016</a:t>
+              <a:t>05/10/2017</a:t>
             </a:fld>
             <a:endParaRPr lang="en-GB"/>
           </a:p>
@@ -7310,7 +7315,7 @@
           <a:p>
             <a:fld id="{A3AAA307-BC5C-435E-9F75-3D6007B651A5}" type="slidenum">
               <a:rPr lang="en-GB" smtClean="0"/>
-              <a:t>‹#›</a:t>
+              <a:t>‹nr.›</a:t>
             </a:fld>
             <a:endParaRPr lang="en-GB"/>
           </a:p>
@@ -38632,6 +38637,426 @@
       </p:grpSpPr>
       <p:sp>
         <p:nvSpPr>
+          <p:cNvPr id="2" name="Titel 1">
+            <a:extLst>
+              <a:ext uri="{FF2B5EF4-FFF2-40B4-BE49-F238E27FC236}">
+                <a16:creationId xmlns:a16="http://schemas.microsoft.com/office/drawing/2014/main" id="{EB29AB4D-2A3A-4CB3-978C-DD110A9BD142}"/>
+              </a:ext>
+            </a:extLst>
+          </p:cNvPr>
+          <p:cNvSpPr>
+            <a:spLocks noGrp="1"/>
+          </p:cNvSpPr>
+          <p:nvPr>
+            <p:ph type="title"/>
+          </p:nvPr>
+        </p:nvSpPr>
+        <p:spPr/>
+        <p:txBody>
+          <a:bodyPr/>
+          <a:lstStyle/>
+          <a:p>
+            <a:r>
+              <a:rPr lang="en-GB" dirty="0"/>
+              <a:t>Graphs – Dijkstra’s algorithm</a:t>
+            </a:r>
+            <a:endParaRPr lang="nl-NL" dirty="0"/>
+          </a:p>
+        </p:txBody>
+      </p:sp>
+      <mc:AlternateContent xmlns:mc="http://schemas.openxmlformats.org/markup-compatibility/2006">
+        <mc:Choice xmlns:a14="http://schemas.microsoft.com/office/drawing/2010/main" Requires="a14">
+          <p:sp>
+            <p:nvSpPr>
+              <p:cNvPr id="3" name="Tijdelijke aanduiding voor inhoud 2">
+                <a:extLst>
+                  <a:ext uri="{FF2B5EF4-FFF2-40B4-BE49-F238E27FC236}">
+                    <a16:creationId xmlns:a16="http://schemas.microsoft.com/office/drawing/2014/main" id="{547DF595-A308-4813-8C90-2FF5B72B0803}"/>
+                  </a:ext>
+                </a:extLst>
+              </p:cNvPr>
+              <p:cNvSpPr>
+                <a:spLocks noGrp="1"/>
+              </p:cNvSpPr>
+              <p:nvPr>
+                <p:ph idx="1"/>
+              </p:nvPr>
+            </p:nvSpPr>
+            <p:spPr/>
+            <p:txBody>
+              <a:bodyPr/>
+              <a:lstStyle/>
+              <a:p>
+                <a:r>
+                  <a:rPr lang="nl-NL" dirty="0"/>
+                  <a:t>Complexity: </a:t>
+                </a:r>
+                <a14:m>
+                  <m:oMath xmlns:m="http://schemas.openxmlformats.org/officeDocument/2006/math">
+                    <m:r>
+                      <a:rPr lang="nl-NL" b="0" i="1" smtClean="0">
+                        <a:latin typeface="Cambria Math" panose="02040503050406030204" pitchFamily="18" charset="0"/>
+                      </a:rPr>
+                      <m:t>𝑂</m:t>
+                    </m:r>
+                    <m:d>
+                      <m:dPr>
+                        <m:ctrlPr>
+                          <a:rPr lang="nl-NL" b="0" i="1" smtClean="0">
+                            <a:latin typeface="Cambria Math" panose="02040503050406030204" pitchFamily="18" charset="0"/>
+                          </a:rPr>
+                        </m:ctrlPr>
+                      </m:dPr>
+                      <m:e>
+                        <m:sSup>
+                          <m:sSupPr>
+                            <m:ctrlPr>
+                              <a:rPr lang="nl-NL" b="0" i="1" smtClean="0">
+                                <a:latin typeface="Cambria Math" panose="02040503050406030204" pitchFamily="18" charset="0"/>
+                              </a:rPr>
+                            </m:ctrlPr>
+                          </m:sSupPr>
+                          <m:e>
+                            <m:d>
+                              <m:dPr>
+                                <m:begChr m:val="|"/>
+                                <m:endChr m:val="|"/>
+                                <m:ctrlPr>
+                                  <a:rPr lang="nl-NL" b="0" i="1" smtClean="0">
+                                    <a:latin typeface="Cambria Math" panose="02040503050406030204" pitchFamily="18" charset="0"/>
+                                  </a:rPr>
+                                </m:ctrlPr>
+                              </m:dPr>
+                              <m:e>
+                                <m:r>
+                                  <a:rPr lang="nl-NL" b="0" i="1" smtClean="0">
+                                    <a:latin typeface="Cambria Math" panose="02040503050406030204" pitchFamily="18" charset="0"/>
+                                  </a:rPr>
+                                  <m:t>𝑉</m:t>
+                                </m:r>
+                              </m:e>
+                            </m:d>
+                          </m:e>
+                          <m:sup>
+                            <m:r>
+                              <a:rPr lang="nl-NL" b="0" i="1" smtClean="0">
+                                <a:latin typeface="Cambria Math" panose="02040503050406030204" pitchFamily="18" charset="0"/>
+                              </a:rPr>
+                              <m:t>2</m:t>
+                            </m:r>
+                          </m:sup>
+                        </m:sSup>
+                      </m:e>
+                    </m:d>
+                  </m:oMath>
+                </a14:m>
+                <a:endParaRPr lang="nl-NL" dirty="0"/>
+              </a:p>
+              <a:p>
+                <a:pPr lvl="1"/>
+                <a:r>
+                  <a:rPr lang="nl-NL" dirty="0" err="1"/>
+                  <a:t>where</a:t>
+                </a:r>
+                <a:r>
+                  <a:rPr lang="nl-NL" dirty="0"/>
+                  <a:t> </a:t>
+                </a:r>
+                <a14:m>
+                  <m:oMath xmlns:m="http://schemas.openxmlformats.org/officeDocument/2006/math">
+                    <m:d>
+                      <m:dPr>
+                        <m:begChr m:val="|"/>
+                        <m:endChr m:val="|"/>
+                        <m:ctrlPr>
+                          <a:rPr lang="nl-NL" b="0" i="1" smtClean="0">
+                            <a:latin typeface="Cambria Math" panose="02040503050406030204" pitchFamily="18" charset="0"/>
+                          </a:rPr>
+                        </m:ctrlPr>
+                      </m:dPr>
+                      <m:e>
+                        <m:r>
+                          <a:rPr lang="nl-NL" b="0" i="1" smtClean="0">
+                            <a:latin typeface="Cambria Math" panose="02040503050406030204" pitchFamily="18" charset="0"/>
+                          </a:rPr>
+                          <m:t>𝑉</m:t>
+                        </m:r>
+                      </m:e>
+                    </m:d>
+                  </m:oMath>
+                </a14:m>
+                <a:r>
+                  <a:rPr lang="nl-NL" dirty="0"/>
+                  <a:t> is </a:t>
+                </a:r>
+                <a:r>
+                  <a:rPr lang="nl-NL" dirty="0" err="1"/>
+                  <a:t>the</a:t>
+                </a:r>
+                <a:r>
+                  <a:rPr lang="nl-NL" dirty="0"/>
+                  <a:t> </a:t>
+                </a:r>
+                <a:r>
+                  <a:rPr lang="nl-NL" dirty="0" err="1"/>
+                  <a:t>amount</a:t>
+                </a:r>
+                <a:r>
+                  <a:rPr lang="nl-NL" dirty="0"/>
+                  <a:t> of </a:t>
+                </a:r>
+                <a:r>
+                  <a:rPr lang="nl-NL" dirty="0" err="1"/>
+                  <a:t>nodes</a:t>
+                </a:r>
+                <a:endParaRPr lang="nl-NL" dirty="0"/>
+              </a:p>
+              <a:p>
+                <a:pPr lvl="1"/>
+                <a:r>
+                  <a:rPr lang="nl-NL" dirty="0" err="1"/>
+                  <a:t>Improvable</a:t>
+                </a:r>
+                <a:r>
+                  <a:rPr lang="nl-NL" dirty="0"/>
+                  <a:t> </a:t>
+                </a:r>
+                <a:r>
+                  <a:rPr lang="nl-NL" dirty="0" err="1"/>
+                  <a:t>with</a:t>
+                </a:r>
+                <a:r>
+                  <a:rPr lang="nl-NL" dirty="0"/>
+                  <a:t> a Fibonacci </a:t>
+                </a:r>
+                <a:r>
+                  <a:rPr lang="nl-NL" dirty="0" err="1"/>
+                  <a:t>heap</a:t>
+                </a:r>
+                <a:r>
+                  <a:rPr lang="nl-NL" dirty="0"/>
+                  <a:t> </a:t>
+                </a:r>
+                <a:r>
+                  <a:rPr lang="nl-NL" dirty="0" err="1"/>
+                  <a:t>into</a:t>
+                </a:r>
+                <a:r>
+                  <a:rPr lang="nl-NL" dirty="0"/>
+                  <a:t>: </a:t>
+                </a:r>
+                <a14:m>
+                  <m:oMath xmlns:m="http://schemas.openxmlformats.org/officeDocument/2006/math">
+                    <m:r>
+                      <a:rPr lang="nl-NL" b="0" i="1" smtClean="0">
+                        <a:latin typeface="Cambria Math" panose="02040503050406030204" pitchFamily="18" charset="0"/>
+                      </a:rPr>
+                      <m:t>𝑂</m:t>
+                    </m:r>
+                    <m:d>
+                      <m:dPr>
+                        <m:ctrlPr>
+                          <a:rPr lang="nl-NL" b="0" i="1" smtClean="0">
+                            <a:latin typeface="Cambria Math" panose="02040503050406030204" pitchFamily="18" charset="0"/>
+                          </a:rPr>
+                        </m:ctrlPr>
+                      </m:dPr>
+                      <m:e>
+                        <m:d>
+                          <m:dPr>
+                            <m:begChr m:val="|"/>
+                            <m:endChr m:val="|"/>
+                            <m:ctrlPr>
+                              <a:rPr lang="nl-NL" b="0" i="1" smtClean="0">
+                                <a:latin typeface="Cambria Math" panose="02040503050406030204" pitchFamily="18" charset="0"/>
+                              </a:rPr>
+                            </m:ctrlPr>
+                          </m:dPr>
+                          <m:e>
+                            <m:r>
+                              <a:rPr lang="nl-NL" b="0" i="1" smtClean="0">
+                                <a:latin typeface="Cambria Math" panose="02040503050406030204" pitchFamily="18" charset="0"/>
+                              </a:rPr>
+                              <m:t>𝐸</m:t>
+                            </m:r>
+                          </m:e>
+                        </m:d>
+                        <m:r>
+                          <a:rPr lang="nl-NL" b="0" i="1" smtClean="0">
+                            <a:latin typeface="Cambria Math" panose="02040503050406030204" pitchFamily="18" charset="0"/>
+                          </a:rPr>
+                          <m:t>+</m:t>
+                        </m:r>
+                        <m:d>
+                          <m:dPr>
+                            <m:begChr m:val="|"/>
+                            <m:endChr m:val="|"/>
+                            <m:ctrlPr>
+                              <a:rPr lang="nl-NL" b="0" i="1" smtClean="0">
+                                <a:latin typeface="Cambria Math" panose="02040503050406030204" pitchFamily="18" charset="0"/>
+                              </a:rPr>
+                            </m:ctrlPr>
+                          </m:dPr>
+                          <m:e>
+                            <m:r>
+                              <a:rPr lang="nl-NL" b="0" i="1" smtClean="0">
+                                <a:latin typeface="Cambria Math" panose="02040503050406030204" pitchFamily="18" charset="0"/>
+                              </a:rPr>
+                              <m:t>𝑉</m:t>
+                            </m:r>
+                          </m:e>
+                        </m:d>
+                        <m:func>
+                          <m:funcPr>
+                            <m:ctrlPr>
+                              <a:rPr lang="nl-NL" b="0" i="1" smtClean="0">
+                                <a:latin typeface="Cambria Math" panose="02040503050406030204" pitchFamily="18" charset="0"/>
+                              </a:rPr>
+                            </m:ctrlPr>
+                          </m:funcPr>
+                          <m:fName>
+                            <m:r>
+                              <m:rPr>
+                                <m:sty m:val="p"/>
+                              </m:rPr>
+                              <a:rPr lang="nl-NL" b="0" i="0" smtClean="0">
+                                <a:latin typeface="Cambria Math" panose="02040503050406030204" pitchFamily="18" charset="0"/>
+                              </a:rPr>
+                              <m:t>log</m:t>
+                            </m:r>
+                          </m:fName>
+                          <m:e>
+                            <m:d>
+                              <m:dPr>
+                                <m:begChr m:val="|"/>
+                                <m:endChr m:val="|"/>
+                                <m:ctrlPr>
+                                  <a:rPr lang="nl-NL" b="0" i="1" smtClean="0">
+                                    <a:latin typeface="Cambria Math" panose="02040503050406030204" pitchFamily="18" charset="0"/>
+                                  </a:rPr>
+                                </m:ctrlPr>
+                              </m:dPr>
+                              <m:e>
+                                <m:r>
+                                  <a:rPr lang="nl-NL" b="0" i="1" smtClean="0">
+                                    <a:latin typeface="Cambria Math" panose="02040503050406030204" pitchFamily="18" charset="0"/>
+                                  </a:rPr>
+                                  <m:t>𝑉</m:t>
+                                </m:r>
+                              </m:e>
+                            </m:d>
+                          </m:e>
+                        </m:func>
+                      </m:e>
+                    </m:d>
+                  </m:oMath>
+                </a14:m>
+                <a:endParaRPr lang="nl-NL" dirty="0"/>
+              </a:p>
+            </p:txBody>
+          </p:sp>
+        </mc:Choice>
+        <mc:Fallback>
+          <p:sp>
+            <p:nvSpPr>
+              <p:cNvPr id="3" name="Tijdelijke aanduiding voor inhoud 2">
+                <a:extLst>
+                  <a:ext uri="{FF2B5EF4-FFF2-40B4-BE49-F238E27FC236}">
+                    <a16:creationId xmlns:a16="http://schemas.microsoft.com/office/drawing/2014/main" id="{547DF595-A308-4813-8C90-2FF5B72B0803}"/>
+                  </a:ext>
+                </a:extLst>
+              </p:cNvPr>
+              <p:cNvSpPr>
+                <a:spLocks noGrp="1" noRot="1" noChangeAspect="1" noMove="1" noResize="1" noEditPoints="1" noAdjustHandles="1" noChangeArrowheads="1" noChangeShapeType="1" noTextEdit="1"/>
+              </p:cNvSpPr>
+              <p:nvPr>
+                <p:ph idx="1"/>
+              </p:nvPr>
+            </p:nvSpPr>
+            <p:spPr>
+              <a:blipFill>
+                <a:blip r:embed="rId2"/>
+                <a:stretch>
+                  <a:fillRect l="-142" t="-471"/>
+                </a:stretch>
+              </a:blipFill>
+            </p:spPr>
+            <p:txBody>
+              <a:bodyPr/>
+              <a:lstStyle/>
+              <a:p>
+                <a:r>
+                  <a:rPr lang="nl-NL">
+                    <a:noFill/>
+                  </a:rPr>
+                  <a:t> </a:t>
+                </a:r>
+              </a:p>
+            </p:txBody>
+          </p:sp>
+        </mc:Fallback>
+      </mc:AlternateContent>
+      <p:sp>
+        <p:nvSpPr>
+          <p:cNvPr id="4" name="Tijdelijke aanduiding voor voettekst 3">
+            <a:extLst>
+              <a:ext uri="{FF2B5EF4-FFF2-40B4-BE49-F238E27FC236}">
+                <a16:creationId xmlns:a16="http://schemas.microsoft.com/office/drawing/2014/main" id="{B34C8640-C868-4B0F-9E80-7B69E666E0FA}"/>
+              </a:ext>
+            </a:extLst>
+          </p:cNvPr>
+          <p:cNvSpPr>
+            <a:spLocks noGrp="1"/>
+          </p:cNvSpPr>
+          <p:nvPr>
+            <p:ph type="ftr" sz="quarter" idx="11"/>
+          </p:nvPr>
+        </p:nvSpPr>
+        <p:spPr/>
+        <p:txBody>
+          <a:bodyPr/>
+          <a:lstStyle/>
+          <a:p>
+            <a:r>
+              <a:rPr lang="it-IT"/>
+              <a:t>INFDEV026A - G. Costantini, F. Di Giacomo, G. Maggiore</a:t>
+            </a:r>
+            <a:endParaRPr lang="en-GB"/>
+          </a:p>
+        </p:txBody>
+      </p:sp>
+    </p:spTree>
+    <p:extLst>
+      <p:ext uri="{BB962C8B-B14F-4D97-AF65-F5344CB8AC3E}">
+        <p14:creationId xmlns:p14="http://schemas.microsoft.com/office/powerpoint/2010/main" val="2315727234"/>
+      </p:ext>
+    </p:extLst>
+  </p:cSld>
+  <p:clrMapOvr>
+    <a:masterClrMapping/>
+  </p:clrMapOvr>
+</p:sld>
+</file>
+
+<file path=ppt/slides/slide51.xml><?xml version="1.0" encoding="utf-8"?>
+<p:sld xmlns:a="http://schemas.openxmlformats.org/drawingml/2006/main" xmlns:r="http://schemas.openxmlformats.org/officeDocument/2006/relationships" xmlns:p="http://schemas.openxmlformats.org/presentationml/2006/main">
+  <p:cSld>
+    <p:spTree>
+      <p:nvGrpSpPr>
+        <p:cNvPr id="1" name=""/>
+        <p:cNvGrpSpPr/>
+        <p:nvPr/>
+      </p:nvGrpSpPr>
+      <p:grpSpPr>
+        <a:xfrm>
+          <a:off x="0" y="0"/>
+          <a:ext cx="0" cy="0"/>
+          <a:chOff x="0" y="0"/>
+          <a:chExt cx="0" cy="0"/>
+        </a:xfrm>
+      </p:grpSpPr>
+      <p:sp>
+        <p:nvSpPr>
           <p:cNvPr id="2" name="Title 1"/>
           <p:cNvSpPr>
             <a:spLocks noGrp="1"/>
@@ -38818,7 +39243,7 @@
 </p:sld>
 </file>
 
-<file path=ppt/slides/slide51.xml><?xml version="1.0" encoding="utf-8"?>
+<file path=ppt/slides/slide52.xml><?xml version="1.0" encoding="utf-8"?>
 <p:sld xmlns:a="http://schemas.openxmlformats.org/drawingml/2006/main" xmlns:r="http://schemas.openxmlformats.org/officeDocument/2006/relationships" xmlns:p="http://schemas.openxmlformats.org/presentationml/2006/main" show="0">
   <p:cSld>
     <p:spTree>
@@ -39114,7 +39539,7 @@
 </p:sld>
 </file>
 
-<file path=ppt/slides/slide52.xml><?xml version="1.0" encoding="utf-8"?>
+<file path=ppt/slides/slide53.xml><?xml version="1.0" encoding="utf-8"?>
 <p:sld xmlns:a="http://schemas.openxmlformats.org/drawingml/2006/main" xmlns:r="http://schemas.openxmlformats.org/officeDocument/2006/relationships" xmlns:p="http://schemas.openxmlformats.org/presentationml/2006/main" show="0">
   <p:cSld>
     <p:spTree>
@@ -39391,7 +39816,7 @@
 </p:sld>
 </file>
 
-<file path=ppt/slides/slide53.xml><?xml version="1.0" encoding="utf-8"?>
+<file path=ppt/slides/slide54.xml><?xml version="1.0" encoding="utf-8"?>
 <p:sld xmlns:a="http://schemas.openxmlformats.org/drawingml/2006/main" xmlns:r="http://schemas.openxmlformats.org/officeDocument/2006/relationships" xmlns:p="http://schemas.openxmlformats.org/presentationml/2006/main" show="0">
   <p:cSld>
     <p:spTree>
@@ -39914,7 +40339,7 @@
 </p:sld>
 </file>
 
-<file path=ppt/slides/slide54.xml><?xml version="1.0" encoding="utf-8"?>
+<file path=ppt/slides/slide55.xml><?xml version="1.0" encoding="utf-8"?>
 <p:sld xmlns:a="http://schemas.openxmlformats.org/drawingml/2006/main" xmlns:r="http://schemas.openxmlformats.org/officeDocument/2006/relationships" xmlns:p="http://schemas.openxmlformats.org/presentationml/2006/main" show="0">
   <p:cSld>
     <p:spTree>
